--- a/Docs/Slides/PA_Presentation.pptx
+++ b/Docs/Slides/PA_Presentation.pptx
@@ -18,8 +18,9 @@
     <p:sldId id="274" r:id="rId12"/>
     <p:sldId id="275" r:id="rId13"/>
     <p:sldId id="276" r:id="rId14"/>
-    <p:sldId id="277" r:id="rId15"/>
-    <p:sldId id="278" r:id="rId16"/>
+    <p:sldId id="279" r:id="rId15"/>
+    <p:sldId id="277" r:id="rId16"/>
+    <p:sldId id="278" r:id="rId17"/>
   </p:sldIdLst>
   <p:sldSz cx="12192000" cy="6858000"/>
   <p:notesSz cx="6858000" cy="9144000"/>
@@ -136,6 +137,7 @@
             <p14:sldId id="274"/>
             <p14:sldId id="275"/>
             <p14:sldId id="276"/>
+            <p14:sldId id="279"/>
             <p14:sldId id="277"/>
             <p14:sldId id="278"/>
           </p14:sldIdLst>
@@ -152,13 +154,121 @@
 <file path=ppt/revisionInfo.xml><?xml version="1.0" encoding="utf-8"?>
 <p1510:revInfo xmlns:a="http://schemas.openxmlformats.org/drawingml/2006/main" xmlns:r="http://schemas.openxmlformats.org/officeDocument/2006/relationships" xmlns:p1510="http://schemas.microsoft.com/office/powerpoint/2015/10/main">
   <p1510:revLst>
-    <p1510:client id="{76226ACD-12AF-4ADF-A9EC-77308C38A10E}" v="59" dt="2020-07-10T21:37:53.900"/>
+    <p1510:client id="{DB41BF5B-B32B-44F7-944E-1CE1F8FBC01C}" v="1" dt="2020-07-17T17:56:52.613"/>
   </p1510:revLst>
 </p1510:revInfo>
 </file>
 
 <file path=ppt/changesInfos/changesInfo1.xml><?xml version="1.0" encoding="utf-8"?>
 <pc:chgInfo xmlns:a="http://schemas.openxmlformats.org/drawingml/2006/main" xmlns:r="http://schemas.openxmlformats.org/officeDocument/2006/relationships" xmlns:ac="http://schemas.microsoft.com/office/drawing/2013/main/command" xmlns:pc="http://schemas.microsoft.com/office/powerpoint/2013/main/command">
+  <pc:docChgLst>
+    <pc:chgData name="Heja Ratsimatahomanana" userId="d2d06f0d3b062619" providerId="LiveId" clId="{DB41BF5B-B32B-44F7-944E-1CE1F8FBC01C}"/>
+    <pc:docChg chg="custSel addSld modSld">
+      <pc:chgData name="Heja Ratsimatahomanana" userId="d2d06f0d3b062619" providerId="LiveId" clId="{DB41BF5B-B32B-44F7-944E-1CE1F8FBC01C}" dt="2020-07-17T17:59:16.319" v="140" actId="20577"/>
+      <pc:docMkLst>
+        <pc:docMk/>
+      </pc:docMkLst>
+      <pc:sldChg chg="modSp">
+        <pc:chgData name="Heja Ratsimatahomanana" userId="d2d06f0d3b062619" providerId="LiveId" clId="{DB41BF5B-B32B-44F7-944E-1CE1F8FBC01C}" dt="2020-07-17T17:59:16.319" v="140" actId="20577"/>
+        <pc:sldMkLst>
+          <pc:docMk/>
+          <pc:sldMk cId="187787465" sldId="273"/>
+        </pc:sldMkLst>
+        <pc:spChg chg="mod">
+          <ac:chgData name="Heja Ratsimatahomanana" userId="d2d06f0d3b062619" providerId="LiveId" clId="{DB41BF5B-B32B-44F7-944E-1CE1F8FBC01C}" dt="2020-07-17T17:59:16.319" v="140" actId="20577"/>
+          <ac:spMkLst>
+            <pc:docMk/>
+            <pc:sldMk cId="187787465" sldId="273"/>
+            <ac:spMk id="6" creationId="{66D292D1-F569-435D-A7CA-0147469F64B4}"/>
+          </ac:spMkLst>
+        </pc:spChg>
+      </pc:sldChg>
+      <pc:sldChg chg="modSp">
+        <pc:chgData name="Heja Ratsimatahomanana" userId="d2d06f0d3b062619" providerId="LiveId" clId="{DB41BF5B-B32B-44F7-944E-1CE1F8FBC01C}" dt="2020-07-17T17:57:40.187" v="90" actId="5793"/>
+        <pc:sldMkLst>
+          <pc:docMk/>
+          <pc:sldMk cId="4140920263" sldId="274"/>
+        </pc:sldMkLst>
+        <pc:spChg chg="mod">
+          <ac:chgData name="Heja Ratsimatahomanana" userId="d2d06f0d3b062619" providerId="LiveId" clId="{DB41BF5B-B32B-44F7-944E-1CE1F8FBC01C}" dt="2020-07-17T17:56:21.187" v="12" actId="20577"/>
+          <ac:spMkLst>
+            <pc:docMk/>
+            <pc:sldMk cId="4140920263" sldId="274"/>
+            <ac:spMk id="4" creationId="{A921E090-DF2C-4883-8A9A-B6289A55F682}"/>
+          </ac:spMkLst>
+        </pc:spChg>
+        <pc:spChg chg="mod">
+          <ac:chgData name="Heja Ratsimatahomanana" userId="d2d06f0d3b062619" providerId="LiveId" clId="{DB41BF5B-B32B-44F7-944E-1CE1F8FBC01C}" dt="2020-07-17T17:57:40.187" v="90" actId="5793"/>
+          <ac:spMkLst>
+            <pc:docMk/>
+            <pc:sldMk cId="4140920263" sldId="274"/>
+            <ac:spMk id="6" creationId="{66D292D1-F569-435D-A7CA-0147469F64B4}"/>
+          </ac:spMkLst>
+        </pc:spChg>
+      </pc:sldChg>
+      <pc:sldChg chg="modSp">
+        <pc:chgData name="Heja Ratsimatahomanana" userId="d2d06f0d3b062619" providerId="LiveId" clId="{DB41BF5B-B32B-44F7-944E-1CE1F8FBC01C}" dt="2020-07-17T17:57:46.767" v="91" actId="20577"/>
+        <pc:sldMkLst>
+          <pc:docMk/>
+          <pc:sldMk cId="853632643" sldId="275"/>
+        </pc:sldMkLst>
+        <pc:spChg chg="mod">
+          <ac:chgData name="Heja Ratsimatahomanana" userId="d2d06f0d3b062619" providerId="LiveId" clId="{DB41BF5B-B32B-44F7-944E-1CE1F8FBC01C}" dt="2020-07-17T17:56:30.446" v="22" actId="20577"/>
+          <ac:spMkLst>
+            <pc:docMk/>
+            <pc:sldMk cId="853632643" sldId="275"/>
+            <ac:spMk id="4" creationId="{A921E090-DF2C-4883-8A9A-B6289A55F682}"/>
+          </ac:spMkLst>
+        </pc:spChg>
+        <pc:spChg chg="mod">
+          <ac:chgData name="Heja Ratsimatahomanana" userId="d2d06f0d3b062619" providerId="LiveId" clId="{DB41BF5B-B32B-44F7-944E-1CE1F8FBC01C}" dt="2020-07-17T17:57:46.767" v="91" actId="20577"/>
+          <ac:spMkLst>
+            <pc:docMk/>
+            <pc:sldMk cId="853632643" sldId="275"/>
+            <ac:spMk id="6" creationId="{66D292D1-F569-435D-A7CA-0147469F64B4}"/>
+          </ac:spMkLst>
+        </pc:spChg>
+      </pc:sldChg>
+      <pc:sldChg chg="modSp">
+        <pc:chgData name="Heja Ratsimatahomanana" userId="d2d06f0d3b062619" providerId="LiveId" clId="{DB41BF5B-B32B-44F7-944E-1CE1F8FBC01C}" dt="2020-07-17T17:57:53.712" v="93" actId="5793"/>
+        <pc:sldMkLst>
+          <pc:docMk/>
+          <pc:sldMk cId="4030459917" sldId="276"/>
+        </pc:sldMkLst>
+        <pc:spChg chg="mod">
+          <ac:chgData name="Heja Ratsimatahomanana" userId="d2d06f0d3b062619" providerId="LiveId" clId="{DB41BF5B-B32B-44F7-944E-1CE1F8FBC01C}" dt="2020-07-17T17:57:53.712" v="93" actId="5793"/>
+          <ac:spMkLst>
+            <pc:docMk/>
+            <pc:sldMk cId="4030459917" sldId="276"/>
+            <ac:spMk id="6" creationId="{66D292D1-F569-435D-A7CA-0147469F64B4}"/>
+          </ac:spMkLst>
+        </pc:spChg>
+      </pc:sldChg>
+      <pc:sldChg chg="modSp add">
+        <pc:chgData name="Heja Ratsimatahomanana" userId="d2d06f0d3b062619" providerId="LiveId" clId="{DB41BF5B-B32B-44F7-944E-1CE1F8FBC01C}" dt="2020-07-17T17:57:58.751" v="95" actId="5793"/>
+        <pc:sldMkLst>
+          <pc:docMk/>
+          <pc:sldMk cId="1172276525" sldId="279"/>
+        </pc:sldMkLst>
+        <pc:spChg chg="mod">
+          <ac:chgData name="Heja Ratsimatahomanana" userId="d2d06f0d3b062619" providerId="LiveId" clId="{DB41BF5B-B32B-44F7-944E-1CE1F8FBC01C}" dt="2020-07-17T17:57:06.402" v="73" actId="20577"/>
+          <ac:spMkLst>
+            <pc:docMk/>
+            <pc:sldMk cId="1172276525" sldId="279"/>
+            <ac:spMk id="4" creationId="{A921E090-DF2C-4883-8A9A-B6289A55F682}"/>
+          </ac:spMkLst>
+        </pc:spChg>
+        <pc:spChg chg="mod">
+          <ac:chgData name="Heja Ratsimatahomanana" userId="d2d06f0d3b062619" providerId="LiveId" clId="{DB41BF5B-B32B-44F7-944E-1CE1F8FBC01C}" dt="2020-07-17T17:57:58.751" v="95" actId="5793"/>
+          <ac:spMkLst>
+            <pc:docMk/>
+            <pc:sldMk cId="1172276525" sldId="279"/>
+            <ac:spMk id="6" creationId="{66D292D1-F569-435D-A7CA-0147469F64B4}"/>
+          </ac:spMkLst>
+        </pc:spChg>
+      </pc:sldChg>
+    </pc:docChg>
+  </pc:docChgLst>
   <pc:docChgLst>
     <pc:chgData name="Heja Ratsimatahomanana" userId="d2d06f0d3b062619" providerId="LiveId" clId="{76226ACD-12AF-4ADF-A9EC-77308C38A10E}"/>
     <pc:docChg chg="undo custSel mod addSld delSld modSld addMainMaster delMainMaster delSection modSection">
@@ -1132,7 +1242,7 @@
           <a:p>
             <a:fld id="{9184DA70-C731-4C70-880D-CCD4705E623C}" type="datetime1">
               <a:rPr lang="en-US" smtClean="0"/>
-              <a:t>7/11/2020</a:t>
+              <a:t>7/17/2020</a:t>
             </a:fld>
             <a:endParaRPr lang="en-US" dirty="0"/>
           </a:p>
@@ -1399,7 +1509,7 @@
           <a:p>
             <a:fld id="{62D6E202-B606-4609-B914-27C9371A1F6D}" type="datetime1">
               <a:rPr lang="en-US" smtClean="0"/>
-              <a:t>7/11/2020</a:t>
+              <a:t>7/17/2020</a:t>
             </a:fld>
             <a:endParaRPr lang="en-US" dirty="0"/>
           </a:p>
@@ -2336,7 +2446,7 @@
         <p:spPr>
           <a:xfrm>
             <a:off x="1097280" y="1197185"/>
-            <a:ext cx="10058400" cy="2308324"/>
+            <a:ext cx="10058400" cy="2862322"/>
           </a:xfrm>
           <a:prstGeom prst="rect">
             <a:avLst/>
@@ -2382,6 +2492,28 @@
               <a:rPr lang="fr-FR" dirty="0"/>
               <a:t> et ajustée selon le résultat</a:t>
             </a:r>
+          </a:p>
+          <a:p>
+            <a:pPr marL="285750" indent="-285750">
+              <a:buFont typeface="Arial" panose="020B0604020202020204" pitchFamily="34" charset="0"/>
+              <a:buChar char="•"/>
+            </a:pPr>
+            <a:endParaRPr lang="fr-FR" dirty="0"/>
+          </a:p>
+          <a:p>
+            <a:pPr marL="285750" indent="-285750">
+              <a:buFont typeface="Arial" panose="020B0604020202020204" pitchFamily="34" charset="0"/>
+              <a:buChar char="•"/>
+            </a:pPr>
+            <a:r>
+              <a:rPr lang="fr-FR" dirty="0"/>
+              <a:t>Choix de la technologie </a:t>
+            </a:r>
+            <a:r>
+              <a:rPr lang="fr-FR"/>
+              <a:t>pour l’application</a:t>
+            </a:r>
+            <a:endParaRPr lang="fr-FR" dirty="0"/>
           </a:p>
           <a:p>
             <a:pPr marL="285750" indent="-285750">
@@ -2481,13 +2613,8 @@
             <a:pPr algn="ctr"/>
             <a:r>
               <a:rPr lang="fr-FR" sz="3500" dirty="0"/>
-              <a:t>Test des modèles sur le </a:t>
-            </a:r>
-            <a:r>
-              <a:rPr lang="fr-FR" sz="3500" dirty="0" err="1"/>
-              <a:t>dataset</a:t>
-            </a:r>
-            <a:endParaRPr lang="fr-FR" sz="3500" dirty="0"/>
+              <a:t>Test des modèles sur les cas de tests</a:t>
+            </a:r>
           </a:p>
         </p:txBody>
       </p:sp>
@@ -2544,14 +2671,7 @@
           </a:bodyPr>
           <a:lstStyle/>
           <a:p>
-            <a:pPr marL="285750" indent="-285750">
-              <a:buFont typeface="Arial" panose="020B0604020202020204" pitchFamily="34" charset="0"/>
-              <a:buChar char="•"/>
-            </a:pPr>
-            <a:r>
-              <a:rPr lang="fr-FR" dirty="0"/>
-              <a:t>Librairie en C++</a:t>
-            </a:r>
+            <a:endParaRPr lang="fr-FR" dirty="0"/>
           </a:p>
           <a:p>
             <a:pPr marL="285750" indent="-285750">
@@ -2630,8 +2750,13 @@
             <a:pPr algn="ctr"/>
             <a:r>
               <a:rPr lang="fr-FR" sz="3500" dirty="0"/>
-              <a:t>Test des modèles sur les cas de tests</a:t>
-            </a:r>
+              <a:t>Test des modèles sur le </a:t>
+            </a:r>
+            <a:r>
+              <a:rPr lang="fr-FR" sz="3500" dirty="0" err="1"/>
+              <a:t>dataset</a:t>
+            </a:r>
+            <a:endParaRPr lang="fr-FR" sz="3500" dirty="0"/>
           </a:p>
         </p:txBody>
       </p:sp>
@@ -2692,10 +2817,7 @@
               <a:buFont typeface="Arial" panose="020B0604020202020204" pitchFamily="34" charset="0"/>
               <a:buChar char="•"/>
             </a:pPr>
-            <a:r>
-              <a:rPr lang="fr-FR" dirty="0"/>
-              <a:t>Librairie en C++</a:t>
-            </a:r>
+            <a:endParaRPr lang="fr-FR" dirty="0"/>
           </a:p>
           <a:p>
             <a:pPr marL="285750" indent="-285750">
@@ -2840,14 +2962,7 @@
           </a:bodyPr>
           <a:lstStyle/>
           <a:p>
-            <a:pPr marL="285750" indent="-285750">
-              <a:buFont typeface="Arial" panose="020B0604020202020204" pitchFamily="34" charset="0"/>
-              <a:buChar char="•"/>
-            </a:pPr>
-            <a:r>
-              <a:rPr lang="fr-FR" dirty="0"/>
-              <a:t>Librairie en C++</a:t>
-            </a:r>
+            <a:endParaRPr lang="fr-FR" dirty="0"/>
           </a:p>
           <a:p>
             <a:pPr marL="285750" indent="-285750">
@@ -2926,6 +3041,136 @@
             <a:pPr algn="ctr"/>
             <a:r>
               <a:rPr lang="fr-FR" sz="3500" dirty="0"/>
+              <a:t>Présentation de l’application et démonstration</a:t>
+            </a:r>
+          </a:p>
+        </p:txBody>
+      </p:sp>
+      <p:sp>
+        <p:nvSpPr>
+          <p:cNvPr id="5" name="Sous-titre 4">
+            <a:extLst>
+              <a:ext uri="{FF2B5EF4-FFF2-40B4-BE49-F238E27FC236}">
+                <a16:creationId xmlns:a16="http://schemas.microsoft.com/office/drawing/2014/main" id="{817BF26D-6EE0-426A-B1BA-30EC12A9BDC6}"/>
+              </a:ext>
+            </a:extLst>
+          </p:cNvPr>
+          <p:cNvSpPr>
+            <a:spLocks noGrp="1"/>
+          </p:cNvSpPr>
+          <p:nvPr>
+            <p:ph type="subTitle" idx="1"/>
+          </p:nvPr>
+        </p:nvSpPr>
+        <p:spPr/>
+        <p:txBody>
+          <a:bodyPr/>
+          <a:lstStyle/>
+          <a:p>
+            <a:endParaRPr lang="fr-FR" dirty="0"/>
+          </a:p>
+        </p:txBody>
+      </p:sp>
+      <p:sp>
+        <p:nvSpPr>
+          <p:cNvPr id="6" name="ZoneTexte 5">
+            <a:extLst>
+              <a:ext uri="{FF2B5EF4-FFF2-40B4-BE49-F238E27FC236}">
+                <a16:creationId xmlns:a16="http://schemas.microsoft.com/office/drawing/2014/main" id="{66D292D1-F569-435D-A7CA-0147469F64B4}"/>
+              </a:ext>
+            </a:extLst>
+          </p:cNvPr>
+          <p:cNvSpPr txBox="1"/>
+          <p:nvPr/>
+        </p:nvSpPr>
+        <p:spPr>
+          <a:xfrm>
+            <a:off x="1097280" y="1197185"/>
+            <a:ext cx="10058400" cy="646331"/>
+          </a:xfrm>
+          <a:prstGeom prst="rect">
+            <a:avLst/>
+          </a:prstGeom>
+          <a:noFill/>
+        </p:spPr>
+        <p:txBody>
+          <a:bodyPr wrap="square" rtlCol="0">
+            <a:spAutoFit/>
+          </a:bodyPr>
+          <a:lstStyle/>
+          <a:p>
+            <a:endParaRPr lang="fr-FR" dirty="0"/>
+          </a:p>
+          <a:p>
+            <a:pPr marL="285750" indent="-285750">
+              <a:buFont typeface="Arial" panose="020B0604020202020204" pitchFamily="34" charset="0"/>
+              <a:buChar char="•"/>
+            </a:pPr>
+            <a:endParaRPr lang="fr-FR" dirty="0"/>
+          </a:p>
+        </p:txBody>
+      </p:sp>
+    </p:spTree>
+    <p:extLst>
+      <p:ext uri="{BB962C8B-B14F-4D97-AF65-F5344CB8AC3E}">
+        <p14:creationId xmlns:p14="http://schemas.microsoft.com/office/powerpoint/2010/main" val="1172276525"/>
+      </p:ext>
+    </p:extLst>
+  </p:cSld>
+  <p:clrMapOvr>
+    <a:masterClrMapping/>
+  </p:clrMapOvr>
+</p:sld>
+</file>
+
+<file path=ppt/slides/slide15.xml><?xml version="1.0" encoding="utf-8"?>
+<p:sld xmlns:a="http://schemas.openxmlformats.org/drawingml/2006/main" xmlns:r="http://schemas.openxmlformats.org/officeDocument/2006/relationships" xmlns:p="http://schemas.openxmlformats.org/presentationml/2006/main">
+  <p:cSld>
+    <p:spTree>
+      <p:nvGrpSpPr>
+        <p:cNvPr id="1" name=""/>
+        <p:cNvGrpSpPr/>
+        <p:nvPr/>
+      </p:nvGrpSpPr>
+      <p:grpSpPr>
+        <a:xfrm>
+          <a:off x="0" y="0"/>
+          <a:ext cx="0" cy="0"/>
+          <a:chOff x="0" y="0"/>
+          <a:chExt cx="0" cy="0"/>
+        </a:xfrm>
+      </p:grpSpPr>
+      <p:sp>
+        <p:nvSpPr>
+          <p:cNvPr id="4" name="Titre 3">
+            <a:extLst>
+              <a:ext uri="{FF2B5EF4-FFF2-40B4-BE49-F238E27FC236}">
+                <a16:creationId xmlns:a16="http://schemas.microsoft.com/office/drawing/2014/main" id="{A921E090-DF2C-4883-8A9A-B6289A55F682}"/>
+              </a:ext>
+            </a:extLst>
+          </p:cNvPr>
+          <p:cNvSpPr>
+            <a:spLocks noGrp="1"/>
+          </p:cNvSpPr>
+          <p:nvPr>
+            <p:ph type="ctrTitle"/>
+          </p:nvPr>
+        </p:nvSpPr>
+        <p:spPr>
+          <a:xfrm>
+            <a:off x="1097280" y="196333"/>
+            <a:ext cx="10058400" cy="861504"/>
+          </a:xfrm>
+        </p:spPr>
+        <p:txBody>
+          <a:bodyPr>
+            <a:normAutofit/>
+          </a:bodyPr>
+          <a:lstStyle/>
+          <a:p>
+            <a:pPr algn="ctr"/>
+            <a:r>
+              <a:rPr lang="fr-FR" sz="3500" dirty="0"/>
               <a:t>Difficultés rencontrées</a:t>
             </a:r>
           </a:p>
@@ -3083,7 +3328,7 @@
 </p:sld>
 </file>
 
-<file path=ppt/slides/slide15.xml><?xml version="1.0" encoding="utf-8"?>
+<file path=ppt/slides/slide16.xml><?xml version="1.0" encoding="utf-8"?>
 <p:sld xmlns:a="http://schemas.openxmlformats.org/drawingml/2006/main" xmlns:r="http://schemas.openxmlformats.org/officeDocument/2006/relationships" xmlns:p="http://schemas.openxmlformats.org/presentationml/2006/main">
   <p:cSld>
     <p:spTree>

--- a/Docs/Slides/PA_Presentation.pptx
+++ b/Docs/Slides/PA_Presentation.pptx
@@ -154,7 +154,7 @@
 <file path=ppt/revisionInfo.xml><?xml version="1.0" encoding="utf-8"?>
 <p1510:revInfo xmlns:a="http://schemas.openxmlformats.org/drawingml/2006/main" xmlns:r="http://schemas.openxmlformats.org/officeDocument/2006/relationships" xmlns:p1510="http://schemas.microsoft.com/office/powerpoint/2015/10/main">
   <p1510:revLst>
-    <p1510:client id="{DB41BF5B-B32B-44F7-944E-1CE1F8FBC01C}" v="1" dt="2020-07-17T17:56:52.613"/>
+    <p1510:client id="{DB41BF5B-B32B-44F7-944E-1CE1F8FBC01C}" v="3" dt="2020-07-18T17:30:58.829"/>
   </p1510:revLst>
 </p1510:revInfo>
 </file>
@@ -163,11 +163,26 @@
 <pc:chgInfo xmlns:a="http://schemas.openxmlformats.org/drawingml/2006/main" xmlns:r="http://schemas.openxmlformats.org/officeDocument/2006/relationships" xmlns:ac="http://schemas.microsoft.com/office/drawing/2013/main/command" xmlns:pc="http://schemas.microsoft.com/office/powerpoint/2013/main/command">
   <pc:docChgLst>
     <pc:chgData name="Heja Ratsimatahomanana" userId="d2d06f0d3b062619" providerId="LiveId" clId="{DB41BF5B-B32B-44F7-944E-1CE1F8FBC01C}"/>
-    <pc:docChg chg="custSel addSld modSld">
-      <pc:chgData name="Heja Ratsimatahomanana" userId="d2d06f0d3b062619" providerId="LiveId" clId="{DB41BF5B-B32B-44F7-944E-1CE1F8FBC01C}" dt="2020-07-17T17:59:16.319" v="140" actId="20577"/>
+    <pc:docChg chg="undo custSel mod addSld modSld">
+      <pc:chgData name="Heja Ratsimatahomanana" userId="d2d06f0d3b062619" providerId="LiveId" clId="{DB41BF5B-B32B-44F7-944E-1CE1F8FBC01C}" dt="2020-07-18T17:32:41.956" v="160" actId="20577"/>
       <pc:docMkLst>
         <pc:docMk/>
       </pc:docMkLst>
+      <pc:sldChg chg="modSp">
+        <pc:chgData name="Heja Ratsimatahomanana" userId="d2d06f0d3b062619" providerId="LiveId" clId="{DB41BF5B-B32B-44F7-944E-1CE1F8FBC01C}" dt="2020-07-18T17:32:41.956" v="160" actId="20577"/>
+        <pc:sldMkLst>
+          <pc:docMk/>
+          <pc:sldMk cId="3266811448" sldId="272"/>
+        </pc:sldMkLst>
+        <pc:spChg chg="mod">
+          <ac:chgData name="Heja Ratsimatahomanana" userId="d2d06f0d3b062619" providerId="LiveId" clId="{DB41BF5B-B32B-44F7-944E-1CE1F8FBC01C}" dt="2020-07-18T17:32:41.956" v="160" actId="20577"/>
+          <ac:spMkLst>
+            <pc:docMk/>
+            <pc:sldMk cId="3266811448" sldId="272"/>
+            <ac:spMk id="6" creationId="{66D292D1-F569-435D-A7CA-0147469F64B4}"/>
+          </ac:spMkLst>
+        </pc:spChg>
+      </pc:sldChg>
       <pc:sldChg chg="modSp">
         <pc:chgData name="Heja Ratsimatahomanana" userId="d2d06f0d3b062619" providerId="LiveId" clId="{DB41BF5B-B32B-44F7-944E-1CE1F8FBC01C}" dt="2020-07-17T17:59:16.319" v="140" actId="20577"/>
         <pc:sldMkLst>
@@ -206,14 +221,14 @@
           </ac:spMkLst>
         </pc:spChg>
       </pc:sldChg>
-      <pc:sldChg chg="modSp">
-        <pc:chgData name="Heja Ratsimatahomanana" userId="d2d06f0d3b062619" providerId="LiveId" clId="{DB41BF5B-B32B-44F7-944E-1CE1F8FBC01C}" dt="2020-07-17T17:57:46.767" v="91" actId="20577"/>
+      <pc:sldChg chg="addSp delSp modSp mod setBg">
+        <pc:chgData name="Heja Ratsimatahomanana" userId="d2d06f0d3b062619" providerId="LiveId" clId="{DB41BF5B-B32B-44F7-944E-1CE1F8FBC01C}" dt="2020-07-18T17:31:07.225" v="156" actId="26606"/>
         <pc:sldMkLst>
           <pc:docMk/>
           <pc:sldMk cId="853632643" sldId="275"/>
         </pc:sldMkLst>
         <pc:spChg chg="mod">
-          <ac:chgData name="Heja Ratsimatahomanana" userId="d2d06f0d3b062619" providerId="LiveId" clId="{DB41BF5B-B32B-44F7-944E-1CE1F8FBC01C}" dt="2020-07-17T17:56:30.446" v="22" actId="20577"/>
+          <ac:chgData name="Heja Ratsimatahomanana" userId="d2d06f0d3b062619" providerId="LiveId" clId="{DB41BF5B-B32B-44F7-944E-1CE1F8FBC01C}" dt="2020-07-18T17:31:07.225" v="156" actId="26606"/>
           <ac:spMkLst>
             <pc:docMk/>
             <pc:sldMk cId="853632643" sldId="275"/>
@@ -221,28 +236,212 @@
           </ac:spMkLst>
         </pc:spChg>
         <pc:spChg chg="mod">
-          <ac:chgData name="Heja Ratsimatahomanana" userId="d2d06f0d3b062619" providerId="LiveId" clId="{DB41BF5B-B32B-44F7-944E-1CE1F8FBC01C}" dt="2020-07-17T17:57:46.767" v="91" actId="20577"/>
+          <ac:chgData name="Heja Ratsimatahomanana" userId="d2d06f0d3b062619" providerId="LiveId" clId="{DB41BF5B-B32B-44F7-944E-1CE1F8FBC01C}" dt="2020-07-18T17:31:07.225" v="156" actId="26606"/>
+          <ac:spMkLst>
+            <pc:docMk/>
+            <pc:sldMk cId="853632643" sldId="275"/>
+            <ac:spMk id="5" creationId="{817BF26D-6EE0-426A-B1BA-30EC12A9BDC6}"/>
+          </ac:spMkLst>
+        </pc:spChg>
+        <pc:spChg chg="mod ord">
+          <ac:chgData name="Heja Ratsimatahomanana" userId="d2d06f0d3b062619" providerId="LiveId" clId="{DB41BF5B-B32B-44F7-944E-1CE1F8FBC01C}" dt="2020-07-18T17:31:07.225" v="156" actId="26606"/>
           <ac:spMkLst>
             <pc:docMk/>
             <pc:sldMk cId="853632643" sldId="275"/>
             <ac:spMk id="6" creationId="{66D292D1-F569-435D-A7CA-0147469F64B4}"/>
           </ac:spMkLst>
         </pc:spChg>
+        <pc:spChg chg="add del">
+          <ac:chgData name="Heja Ratsimatahomanana" userId="d2d06f0d3b062619" providerId="LiveId" clId="{DB41BF5B-B32B-44F7-944E-1CE1F8FBC01C}" dt="2020-07-18T17:31:05.527" v="153" actId="26606"/>
+          <ac:spMkLst>
+            <pc:docMk/>
+            <pc:sldMk cId="853632643" sldId="275"/>
+            <ac:spMk id="11" creationId="{33428ACC-71EC-4171-9527-10983BA6B41D}"/>
+          </ac:spMkLst>
+        </pc:spChg>
+        <pc:spChg chg="add del">
+          <ac:chgData name="Heja Ratsimatahomanana" userId="d2d06f0d3b062619" providerId="LiveId" clId="{DB41BF5B-B32B-44F7-944E-1CE1F8FBC01C}" dt="2020-07-18T17:31:05.527" v="153" actId="26606"/>
+          <ac:spMkLst>
+            <pc:docMk/>
+            <pc:sldMk cId="853632643" sldId="275"/>
+            <ac:spMk id="15" creationId="{8D4480B4-953D-41FA-9052-09AB3A026947}"/>
+          </ac:spMkLst>
+        </pc:spChg>
+        <pc:spChg chg="add del">
+          <ac:chgData name="Heja Ratsimatahomanana" userId="d2d06f0d3b062619" providerId="LiveId" clId="{DB41BF5B-B32B-44F7-944E-1CE1F8FBC01C}" dt="2020-07-18T17:31:07.189" v="155" actId="26606"/>
+          <ac:spMkLst>
+            <pc:docMk/>
+            <pc:sldMk cId="853632643" sldId="275"/>
+            <ac:spMk id="17" creationId="{54DCD9B2-D552-47A6-9FE2-15D7E8159AB6}"/>
+          </ac:spMkLst>
+        </pc:spChg>
+        <pc:spChg chg="add del">
+          <ac:chgData name="Heja Ratsimatahomanana" userId="d2d06f0d3b062619" providerId="LiveId" clId="{DB41BF5B-B32B-44F7-944E-1CE1F8FBC01C}" dt="2020-07-18T17:31:07.189" v="155" actId="26606"/>
+          <ac:spMkLst>
+            <pc:docMk/>
+            <pc:sldMk cId="853632643" sldId="275"/>
+            <ac:spMk id="19" creationId="{CCE25F7F-C10E-4478-90C0-93B61E638386}"/>
+          </ac:spMkLst>
+        </pc:spChg>
+        <pc:spChg chg="add">
+          <ac:chgData name="Heja Ratsimatahomanana" userId="d2d06f0d3b062619" providerId="LiveId" clId="{DB41BF5B-B32B-44F7-944E-1CE1F8FBC01C}" dt="2020-07-18T17:31:07.225" v="156" actId="26606"/>
+          <ac:spMkLst>
+            <pc:docMk/>
+            <pc:sldMk cId="853632643" sldId="275"/>
+            <ac:spMk id="21" creationId="{33428ACC-71EC-4171-9527-10983BA6B41D}"/>
+          </ac:spMkLst>
+        </pc:spChg>
+        <pc:spChg chg="add">
+          <ac:chgData name="Heja Ratsimatahomanana" userId="d2d06f0d3b062619" providerId="LiveId" clId="{DB41BF5B-B32B-44F7-944E-1CE1F8FBC01C}" dt="2020-07-18T17:31:07.225" v="156" actId="26606"/>
+          <ac:spMkLst>
+            <pc:docMk/>
+            <pc:sldMk cId="853632643" sldId="275"/>
+            <ac:spMk id="23" creationId="{8D4480B4-953D-41FA-9052-09AB3A026947}"/>
+          </ac:spMkLst>
+        </pc:spChg>
+        <pc:picChg chg="add mod">
+          <ac:chgData name="Heja Ratsimatahomanana" userId="d2d06f0d3b062619" providerId="LiveId" clId="{DB41BF5B-B32B-44F7-944E-1CE1F8FBC01C}" dt="2020-07-18T17:31:07.225" v="156" actId="26606"/>
+          <ac:picMkLst>
+            <pc:docMk/>
+            <pc:sldMk cId="853632643" sldId="275"/>
+            <ac:picMk id="3" creationId="{338E15AC-F44F-42E5-A7AA-C01FBE6E581A}"/>
+          </ac:picMkLst>
+        </pc:picChg>
+        <pc:cxnChg chg="add del">
+          <ac:chgData name="Heja Ratsimatahomanana" userId="d2d06f0d3b062619" providerId="LiveId" clId="{DB41BF5B-B32B-44F7-944E-1CE1F8FBC01C}" dt="2020-07-18T17:31:05.527" v="153" actId="26606"/>
+          <ac:cxnSpMkLst>
+            <pc:docMk/>
+            <pc:sldMk cId="853632643" sldId="275"/>
+            <ac:cxnSpMk id="13" creationId="{BA22713B-ABB6-4391-97F9-0449A2B9B664}"/>
+          </ac:cxnSpMkLst>
+        </pc:cxnChg>
+        <pc:cxnChg chg="add del">
+          <ac:chgData name="Heja Ratsimatahomanana" userId="d2d06f0d3b062619" providerId="LiveId" clId="{DB41BF5B-B32B-44F7-944E-1CE1F8FBC01C}" dt="2020-07-18T17:31:07.189" v="155" actId="26606"/>
+          <ac:cxnSpMkLst>
+            <pc:docMk/>
+            <pc:sldMk cId="853632643" sldId="275"/>
+            <ac:cxnSpMk id="18" creationId="{FCE0A9EA-62FA-4F43-BEF6-7BBBB3F90F25}"/>
+          </ac:cxnSpMkLst>
+        </pc:cxnChg>
+        <pc:cxnChg chg="add">
+          <ac:chgData name="Heja Ratsimatahomanana" userId="d2d06f0d3b062619" providerId="LiveId" clId="{DB41BF5B-B32B-44F7-944E-1CE1F8FBC01C}" dt="2020-07-18T17:31:07.225" v="156" actId="26606"/>
+          <ac:cxnSpMkLst>
+            <pc:docMk/>
+            <pc:sldMk cId="853632643" sldId="275"/>
+            <ac:cxnSpMk id="22" creationId="{BA22713B-ABB6-4391-97F9-0449A2B9B664}"/>
+          </ac:cxnSpMkLst>
+        </pc:cxnChg>
       </pc:sldChg>
-      <pc:sldChg chg="modSp">
-        <pc:chgData name="Heja Ratsimatahomanana" userId="d2d06f0d3b062619" providerId="LiveId" clId="{DB41BF5B-B32B-44F7-944E-1CE1F8FBC01C}" dt="2020-07-17T17:57:53.712" v="93" actId="5793"/>
+      <pc:sldChg chg="addSp delSp modSp mod setBg">
+        <pc:chgData name="Heja Ratsimatahomanana" userId="d2d06f0d3b062619" providerId="LiveId" clId="{DB41BF5B-B32B-44F7-944E-1CE1F8FBC01C}" dt="2020-07-18T17:28:21.697" v="148" actId="26606"/>
         <pc:sldMkLst>
           <pc:docMk/>
           <pc:sldMk cId="4030459917" sldId="276"/>
         </pc:sldMkLst>
         <pc:spChg chg="mod">
-          <ac:chgData name="Heja Ratsimatahomanana" userId="d2d06f0d3b062619" providerId="LiveId" clId="{DB41BF5B-B32B-44F7-944E-1CE1F8FBC01C}" dt="2020-07-17T17:57:53.712" v="93" actId="5793"/>
+          <ac:chgData name="Heja Ratsimatahomanana" userId="d2d06f0d3b062619" providerId="LiveId" clId="{DB41BF5B-B32B-44F7-944E-1CE1F8FBC01C}" dt="2020-07-18T17:28:21.697" v="148" actId="26606"/>
+          <ac:spMkLst>
+            <pc:docMk/>
+            <pc:sldMk cId="4030459917" sldId="276"/>
+            <ac:spMk id="4" creationId="{A921E090-DF2C-4883-8A9A-B6289A55F682}"/>
+          </ac:spMkLst>
+        </pc:spChg>
+        <pc:spChg chg="mod">
+          <ac:chgData name="Heja Ratsimatahomanana" userId="d2d06f0d3b062619" providerId="LiveId" clId="{DB41BF5B-B32B-44F7-944E-1CE1F8FBC01C}" dt="2020-07-18T17:28:21.697" v="148" actId="26606"/>
+          <ac:spMkLst>
+            <pc:docMk/>
+            <pc:sldMk cId="4030459917" sldId="276"/>
+            <ac:spMk id="5" creationId="{817BF26D-6EE0-426A-B1BA-30EC12A9BDC6}"/>
+          </ac:spMkLst>
+        </pc:spChg>
+        <pc:spChg chg="mod ord">
+          <ac:chgData name="Heja Ratsimatahomanana" userId="d2d06f0d3b062619" providerId="LiveId" clId="{DB41BF5B-B32B-44F7-944E-1CE1F8FBC01C}" dt="2020-07-18T17:28:21.697" v="148" actId="26606"/>
           <ac:spMkLst>
             <pc:docMk/>
             <pc:sldMk cId="4030459917" sldId="276"/>
             <ac:spMk id="6" creationId="{66D292D1-F569-435D-A7CA-0147469F64B4}"/>
           </ac:spMkLst>
         </pc:spChg>
+        <pc:spChg chg="add del">
+          <ac:chgData name="Heja Ratsimatahomanana" userId="d2d06f0d3b062619" providerId="LiveId" clId="{DB41BF5B-B32B-44F7-944E-1CE1F8FBC01C}" dt="2020-07-18T17:28:19.439" v="145" actId="26606"/>
+          <ac:spMkLst>
+            <pc:docMk/>
+            <pc:sldMk cId="4030459917" sldId="276"/>
+            <ac:spMk id="11" creationId="{33428ACC-71EC-4171-9527-10983BA6B41D}"/>
+          </ac:spMkLst>
+        </pc:spChg>
+        <pc:spChg chg="add del">
+          <ac:chgData name="Heja Ratsimatahomanana" userId="d2d06f0d3b062619" providerId="LiveId" clId="{DB41BF5B-B32B-44F7-944E-1CE1F8FBC01C}" dt="2020-07-18T17:28:19.439" v="145" actId="26606"/>
+          <ac:spMkLst>
+            <pc:docMk/>
+            <pc:sldMk cId="4030459917" sldId="276"/>
+            <ac:spMk id="15" creationId="{8D4480B4-953D-41FA-9052-09AB3A026947}"/>
+          </ac:spMkLst>
+        </pc:spChg>
+        <pc:spChg chg="add del">
+          <ac:chgData name="Heja Ratsimatahomanana" userId="d2d06f0d3b062619" providerId="LiveId" clId="{DB41BF5B-B32B-44F7-944E-1CE1F8FBC01C}" dt="2020-07-18T17:28:21.661" v="147" actId="26606"/>
+          <ac:spMkLst>
+            <pc:docMk/>
+            <pc:sldMk cId="4030459917" sldId="276"/>
+            <ac:spMk id="17" creationId="{B4D0E555-16F6-44D0-BF56-AF5FF5BDE9D6}"/>
+          </ac:spMkLst>
+        </pc:spChg>
+        <pc:spChg chg="add del">
+          <ac:chgData name="Heja Ratsimatahomanana" userId="d2d06f0d3b062619" providerId="LiveId" clId="{DB41BF5B-B32B-44F7-944E-1CE1F8FBC01C}" dt="2020-07-18T17:28:21.661" v="147" actId="26606"/>
+          <ac:spMkLst>
+            <pc:docMk/>
+            <pc:sldMk cId="4030459917" sldId="276"/>
+            <ac:spMk id="18" creationId="{8117041D-1A7B-4ECA-AB68-3CFDB6726B8E}"/>
+          </ac:spMkLst>
+        </pc:spChg>
+        <pc:spChg chg="add">
+          <ac:chgData name="Heja Ratsimatahomanana" userId="d2d06f0d3b062619" providerId="LiveId" clId="{DB41BF5B-B32B-44F7-944E-1CE1F8FBC01C}" dt="2020-07-18T17:28:21.697" v="148" actId="26606"/>
+          <ac:spMkLst>
+            <pc:docMk/>
+            <pc:sldMk cId="4030459917" sldId="276"/>
+            <ac:spMk id="21" creationId="{33428ACC-71EC-4171-9527-10983BA6B41D}"/>
+          </ac:spMkLst>
+        </pc:spChg>
+        <pc:spChg chg="add">
+          <ac:chgData name="Heja Ratsimatahomanana" userId="d2d06f0d3b062619" providerId="LiveId" clId="{DB41BF5B-B32B-44F7-944E-1CE1F8FBC01C}" dt="2020-07-18T17:28:21.697" v="148" actId="26606"/>
+          <ac:spMkLst>
+            <pc:docMk/>
+            <pc:sldMk cId="4030459917" sldId="276"/>
+            <ac:spMk id="23" creationId="{8D4480B4-953D-41FA-9052-09AB3A026947}"/>
+          </ac:spMkLst>
+        </pc:spChg>
+        <pc:picChg chg="add mod">
+          <ac:chgData name="Heja Ratsimatahomanana" userId="d2d06f0d3b062619" providerId="LiveId" clId="{DB41BF5B-B32B-44F7-944E-1CE1F8FBC01C}" dt="2020-07-18T17:28:21.697" v="148" actId="26606"/>
+          <ac:picMkLst>
+            <pc:docMk/>
+            <pc:sldMk cId="4030459917" sldId="276"/>
+            <ac:picMk id="3" creationId="{F6126833-789A-44EA-8BC9-9F4B3BBE83C2}"/>
+          </ac:picMkLst>
+        </pc:picChg>
+        <pc:cxnChg chg="add del">
+          <ac:chgData name="Heja Ratsimatahomanana" userId="d2d06f0d3b062619" providerId="LiveId" clId="{DB41BF5B-B32B-44F7-944E-1CE1F8FBC01C}" dt="2020-07-18T17:28:19.439" v="145" actId="26606"/>
+          <ac:cxnSpMkLst>
+            <pc:docMk/>
+            <pc:sldMk cId="4030459917" sldId="276"/>
+            <ac:cxnSpMk id="13" creationId="{BA22713B-ABB6-4391-97F9-0449A2B9B664}"/>
+          </ac:cxnSpMkLst>
+        </pc:cxnChg>
+        <pc:cxnChg chg="add del">
+          <ac:chgData name="Heja Ratsimatahomanana" userId="d2d06f0d3b062619" providerId="LiveId" clId="{DB41BF5B-B32B-44F7-944E-1CE1F8FBC01C}" dt="2020-07-18T17:28:21.661" v="147" actId="26606"/>
+          <ac:cxnSpMkLst>
+            <pc:docMk/>
+            <pc:sldMk cId="4030459917" sldId="276"/>
+            <ac:cxnSpMk id="19" creationId="{ABCD2462-4C1E-401A-AC2D-F799A138B245}"/>
+          </ac:cxnSpMkLst>
+        </pc:cxnChg>
+        <pc:cxnChg chg="add">
+          <ac:chgData name="Heja Ratsimatahomanana" userId="d2d06f0d3b062619" providerId="LiveId" clId="{DB41BF5B-B32B-44F7-944E-1CE1F8FBC01C}" dt="2020-07-18T17:28:21.697" v="148" actId="26606"/>
+          <ac:cxnSpMkLst>
+            <pc:docMk/>
+            <pc:sldMk cId="4030459917" sldId="276"/>
+            <ac:cxnSpMk id="22" creationId="{BA22713B-ABB6-4391-97F9-0449A2B9B664}"/>
+          </ac:cxnSpMkLst>
+        </pc:cxnChg>
       </pc:sldChg>
       <pc:sldChg chg="modSp add">
         <pc:chgData name="Heja Ratsimatahomanana" userId="d2d06f0d3b062619" providerId="LiveId" clId="{DB41BF5B-B32B-44F7-944E-1CE1F8FBC01C}" dt="2020-07-17T17:57:58.751" v="95" actId="5793"/>
@@ -1242,7 +1441,7 @@
           <a:p>
             <a:fld id="{9184DA70-C731-4C70-880D-CCD4705E623C}" type="datetime1">
               <a:rPr lang="en-US" smtClean="0"/>
-              <a:t>7/17/2020</a:t>
+              <a:t>7/18/2020</a:t>
             </a:fld>
             <a:endParaRPr lang="en-US" dirty="0"/>
           </a:p>
@@ -1509,7 +1708,7 @@
           <a:p>
             <a:fld id="{62D6E202-B606-4609-B914-27C9371A1F6D}" type="datetime1">
               <a:rPr lang="en-US" smtClean="0"/>
-              <a:t>7/17/2020</a:t>
+              <a:t>7/18/2020</a:t>
             </a:fld>
             <a:endParaRPr lang="en-US" dirty="0"/>
           </a:p>
@@ -2705,6 +2904,14 @@
 <file path=ppt/slides/slide12.xml><?xml version="1.0" encoding="utf-8"?>
 <p:sld xmlns:a="http://schemas.openxmlformats.org/drawingml/2006/main" xmlns:r="http://schemas.openxmlformats.org/officeDocument/2006/relationships" xmlns:p="http://schemas.openxmlformats.org/presentationml/2006/main">
   <p:cSld>
+    <p:bg>
+      <p:bgPr>
+        <a:solidFill>
+          <a:schemeClr val="bg1"/>
+        </a:solidFill>
+        <a:effectLst/>
+      </p:bgPr>
+    </p:bg>
     <p:spTree>
       <p:nvGrpSpPr>
         <p:cNvPr id="1" name=""/>
@@ -2719,6 +2926,66 @@
           <a:chExt cx="0" cy="0"/>
         </a:xfrm>
       </p:grpSpPr>
+      <p:sp useBgFill="1">
+        <p:nvSpPr>
+          <p:cNvPr id="21" name="Rectangle 10">
+            <a:extLst>
+              <a:ext uri="{FF2B5EF4-FFF2-40B4-BE49-F238E27FC236}">
+                <a16:creationId xmlns:a16="http://schemas.microsoft.com/office/drawing/2014/main" id="{33428ACC-71EC-4171-9527-10983BA6B41D}"/>
+              </a:ext>
+              <a:ext uri="{C183D7F6-B498-43B3-948B-1728B52AA6E4}">
+                <adec:decorative xmlns:adec="http://schemas.microsoft.com/office/drawing/2017/decorative" val="1"/>
+              </a:ext>
+            </a:extLst>
+          </p:cNvPr>
+          <p:cNvSpPr>
+            <a:spLocks noGrp="1" noRot="1" noChangeAspect="1" noMove="1" noResize="1" noEditPoints="1" noAdjustHandles="1" noChangeArrowheads="1" noChangeShapeType="1" noTextEdit="1"/>
+          </p:cNvSpPr>
+          <p:nvPr>
+            <p:extLst>
+              <p:ext uri="{386F3935-93C4-4BCD-93E2-E3B085C9AB24}">
+                <p16:designElem xmlns:p16="http://schemas.microsoft.com/office/powerpoint/2015/main" val="1"/>
+              </p:ext>
+            </p:extLst>
+          </p:nvPr>
+        </p:nvSpPr>
+        <p:spPr>
+          <a:xfrm>
+            <a:off x="0" y="0"/>
+            <a:ext cx="12192001" cy="6858000"/>
+          </a:xfrm>
+          <a:prstGeom prst="rect">
+            <a:avLst/>
+          </a:prstGeom>
+          <a:ln>
+            <a:noFill/>
+          </a:ln>
+        </p:spPr>
+        <p:style>
+          <a:lnRef idx="2">
+            <a:schemeClr val="accent1">
+              <a:shade val="50000"/>
+            </a:schemeClr>
+          </a:lnRef>
+          <a:fillRef idx="1">
+            <a:schemeClr val="accent1"/>
+          </a:fillRef>
+          <a:effectRef idx="0">
+            <a:schemeClr val="accent1"/>
+          </a:effectRef>
+          <a:fontRef idx="minor">
+            <a:schemeClr val="lt1"/>
+          </a:fontRef>
+        </p:style>
+        <p:txBody>
+          <a:bodyPr rtlCol="0" anchor="ctr"/>
+          <a:lstStyle/>
+          <a:p>
+            <a:pPr algn="ctr"/>
+            <a:endParaRPr lang="en-US"/>
+          </a:p>
+        </p:txBody>
+      </p:sp>
       <p:sp>
         <p:nvSpPr>
           <p:cNvPr id="4" name="Titre 3">
@@ -2737,8 +3004,8 @@
         </p:nvSpPr>
         <p:spPr>
           <a:xfrm>
-            <a:off x="1097280" y="196333"/>
-            <a:ext cx="10058400" cy="861504"/>
+            <a:off x="8141110" y="639098"/>
+            <a:ext cx="3401961" cy="3494790"/>
           </a:xfrm>
         </p:spPr>
         <p:txBody>
@@ -2747,16 +3014,10 @@
           </a:bodyPr>
           <a:lstStyle/>
           <a:p>
-            <a:pPr algn="ctr"/>
-            <a:r>
-              <a:rPr lang="fr-FR" sz="3500" dirty="0"/>
-              <a:t>Test des modèles sur le </a:t>
-            </a:r>
-            <a:r>
-              <a:rPr lang="fr-FR" sz="3500" dirty="0" err="1"/>
-              <a:t>dataset</a:t>
-            </a:r>
-            <a:endParaRPr lang="fr-FR" sz="3500" dirty="0"/>
+            <a:r>
+              <a:rPr lang="fr-FR" sz="5400"/>
+              <a:t>Test des modèles sur le dataset</a:t>
+            </a:r>
           </a:p>
         </p:txBody>
       </p:sp>
@@ -2776,14 +3037,174 @@
             <p:ph type="subTitle" idx="1"/>
           </p:nvPr>
         </p:nvSpPr>
-        <p:spPr/>
+        <p:spPr>
+          <a:xfrm>
+            <a:off x="8141110" y="4455621"/>
+            <a:ext cx="3417990" cy="1238616"/>
+          </a:xfrm>
+        </p:spPr>
         <p:txBody>
-          <a:bodyPr/>
+          <a:bodyPr>
+            <a:normAutofit/>
+          </a:bodyPr>
           <a:lstStyle/>
           <a:p>
-            <a:endParaRPr lang="fr-FR" dirty="0"/>
+            <a:endParaRPr lang="fr-FR" sz="2000">
+              <a:solidFill>
+                <a:schemeClr val="tx1">
+                  <a:lumMod val="85000"/>
+                  <a:lumOff val="15000"/>
+                </a:schemeClr>
+              </a:solidFill>
+            </a:endParaRPr>
           </a:p>
         </p:txBody>
+      </p:sp>
+      <p:pic>
+        <p:nvPicPr>
+          <p:cNvPr id="3" name="Image 2" descr="Une image contenant chope&#10;&#10;Description générée automatiquement">
+            <a:extLst>
+              <a:ext uri="{FF2B5EF4-FFF2-40B4-BE49-F238E27FC236}">
+                <a16:creationId xmlns:a16="http://schemas.microsoft.com/office/drawing/2014/main" id="{338E15AC-F44F-42E5-A7AA-C01FBE6E581A}"/>
+              </a:ext>
+            </a:extLst>
+          </p:cNvPr>
+          <p:cNvPicPr>
+            <a:picLocks noChangeAspect="1"/>
+          </p:cNvPicPr>
+          <p:nvPr/>
+        </p:nvPicPr>
+        <p:blipFill>
+          <a:blip r:embed="rId2">
+            <a:extLst>
+              <a:ext uri="{28A0092B-C50C-407E-A947-70E740481C1C}">
+                <a14:useLocalDpi xmlns:a14="http://schemas.microsoft.com/office/drawing/2010/main" val="0"/>
+              </a:ext>
+            </a:extLst>
+          </a:blip>
+          <a:stretch>
+            <a:fillRect/>
+          </a:stretch>
+        </p:blipFill>
+        <p:spPr>
+          <a:xfrm>
+            <a:off x="1193743" y="640081"/>
+            <a:ext cx="5792729" cy="5054156"/>
+          </a:xfrm>
+          <a:prstGeom prst="rect">
+            <a:avLst/>
+          </a:prstGeom>
+        </p:spPr>
+      </p:pic>
+      <p:cxnSp>
+        <p:nvCxnSpPr>
+          <p:cNvPr id="22" name="Straight Connector 12">
+            <a:extLst>
+              <a:ext uri="{FF2B5EF4-FFF2-40B4-BE49-F238E27FC236}">
+                <a16:creationId xmlns:a16="http://schemas.microsoft.com/office/drawing/2014/main" id="{BA22713B-ABB6-4391-97F9-0449A2B9B664}"/>
+              </a:ext>
+              <a:ext uri="{C183D7F6-B498-43B3-948B-1728B52AA6E4}">
+                <adec:decorative xmlns:adec="http://schemas.microsoft.com/office/drawing/2017/decorative" val="1"/>
+              </a:ext>
+            </a:extLst>
+          </p:cNvPr>
+          <p:cNvCxnSpPr>
+            <a:cxnSpLocks noGrp="1" noRot="1" noChangeAspect="1" noMove="1" noResize="1" noEditPoints="1" noAdjustHandles="1" noChangeArrowheads="1" noChangeShapeType="1"/>
+          </p:cNvCxnSpPr>
+          <p:nvPr>
+            <p:extLst>
+              <p:ext uri="{386F3935-93C4-4BCD-93E2-E3B085C9AB24}">
+                <p16:designElem xmlns:p16="http://schemas.microsoft.com/office/powerpoint/2015/main" val="1"/>
+              </p:ext>
+            </p:extLst>
+          </p:nvPr>
+        </p:nvCxnSpPr>
+        <p:spPr>
+          <a:xfrm>
+            <a:off x="8209305" y="4294754"/>
+            <a:ext cx="3200400" cy="0"/>
+          </a:xfrm>
+          <a:prstGeom prst="line">
+            <a:avLst/>
+          </a:prstGeom>
+          <a:ln w="12700">
+            <a:solidFill>
+              <a:schemeClr val="tx1">
+                <a:lumMod val="75000"/>
+                <a:lumOff val="25000"/>
+              </a:schemeClr>
+            </a:solidFill>
+          </a:ln>
+        </p:spPr>
+        <p:style>
+          <a:lnRef idx="1">
+            <a:schemeClr val="accent1"/>
+          </a:lnRef>
+          <a:fillRef idx="0">
+            <a:schemeClr val="accent1"/>
+          </a:fillRef>
+          <a:effectRef idx="0">
+            <a:schemeClr val="accent1"/>
+          </a:effectRef>
+          <a:fontRef idx="minor">
+            <a:schemeClr val="tx1"/>
+          </a:fontRef>
+        </p:style>
+      </p:cxnSp>
+      <p:sp>
+        <p:nvSpPr>
+          <p:cNvPr id="23" name="Rectangle 14">
+            <a:extLst>
+              <a:ext uri="{FF2B5EF4-FFF2-40B4-BE49-F238E27FC236}">
+                <a16:creationId xmlns:a16="http://schemas.microsoft.com/office/drawing/2014/main" id="{8D4480B4-953D-41FA-9052-09AB3A026947}"/>
+              </a:ext>
+              <a:ext uri="{C183D7F6-B498-43B3-948B-1728B52AA6E4}">
+                <adec:decorative xmlns:adec="http://schemas.microsoft.com/office/drawing/2017/decorative" val="1"/>
+              </a:ext>
+            </a:extLst>
+          </p:cNvPr>
+          <p:cNvSpPr>
+            <a:spLocks noGrp="1" noRot="1" noChangeAspect="1" noMove="1" noResize="1" noEditPoints="1" noAdjustHandles="1" noChangeArrowheads="1" noChangeShapeType="1" noTextEdit="1"/>
+          </p:cNvSpPr>
+          <p:nvPr>
+            <p:extLst>
+              <p:ext uri="{386F3935-93C4-4BCD-93E2-E3B085C9AB24}">
+                <p16:designElem xmlns:p16="http://schemas.microsoft.com/office/powerpoint/2015/main" val="1"/>
+              </p:ext>
+            </p:extLst>
+          </p:nvPr>
+        </p:nvSpPr>
+        <p:spPr>
+          <a:xfrm>
+            <a:off x="0" y="6400800"/>
+            <a:ext cx="12192000" cy="457200"/>
+          </a:xfrm>
+          <a:prstGeom prst="rect">
+            <a:avLst/>
+          </a:prstGeom>
+          <a:solidFill>
+            <a:srgbClr val="262626"/>
+          </a:solidFill>
+          <a:ln>
+            <a:noFill/>
+          </a:ln>
+        </p:spPr>
+        <p:style>
+          <a:lnRef idx="2">
+            <a:schemeClr val="accent1">
+              <a:shade val="50000"/>
+            </a:schemeClr>
+          </a:lnRef>
+          <a:fillRef idx="1">
+            <a:schemeClr val="accent1"/>
+          </a:fillRef>
+          <a:effectRef idx="0">
+            <a:schemeClr val="accent1"/>
+          </a:effectRef>
+          <a:fontRef idx="minor">
+            <a:schemeClr val="lt1"/>
+          </a:fontRef>
+        </p:style>
       </p:sp>
       <p:sp>
         <p:nvSpPr>
@@ -2800,7 +3221,7 @@
         <p:spPr>
           <a:xfrm>
             <a:off x="1097280" y="1197185"/>
-            <a:ext cx="10058400" cy="923330"/>
+            <a:ext cx="10058400" cy="1077218"/>
           </a:xfrm>
           <a:prstGeom prst="rect">
             <a:avLst/>
@@ -2814,24 +3235,33 @@
           <a:lstStyle/>
           <a:p>
             <a:pPr marL="285750" indent="-285750">
+              <a:spcAft>
+                <a:spcPts val="600"/>
+              </a:spcAft>
               <a:buFont typeface="Arial" panose="020B0604020202020204" pitchFamily="34" charset="0"/>
               <a:buChar char="•"/>
             </a:pPr>
-            <a:endParaRPr lang="fr-FR" dirty="0"/>
+            <a:endParaRPr lang="fr-FR"/>
           </a:p>
           <a:p>
             <a:pPr marL="285750" indent="-285750">
+              <a:spcAft>
+                <a:spcPts val="600"/>
+              </a:spcAft>
               <a:buFont typeface="Arial" panose="020B0604020202020204" pitchFamily="34" charset="0"/>
               <a:buChar char="•"/>
             </a:pPr>
-            <a:endParaRPr lang="fr-FR" dirty="0"/>
+            <a:endParaRPr lang="fr-FR"/>
           </a:p>
           <a:p>
             <a:pPr marL="285750" indent="-285750">
+              <a:spcAft>
+                <a:spcPts val="600"/>
+              </a:spcAft>
               <a:buFont typeface="Arial" panose="020B0604020202020204" pitchFamily="34" charset="0"/>
               <a:buChar char="•"/>
             </a:pPr>
-            <a:endParaRPr lang="fr-FR" dirty="0"/>
+            <a:endParaRPr lang="fr-FR"/>
           </a:p>
         </p:txBody>
       </p:sp>
@@ -2851,6 +3281,14 @@
 <file path=ppt/slides/slide13.xml><?xml version="1.0" encoding="utf-8"?>
 <p:sld xmlns:a="http://schemas.openxmlformats.org/drawingml/2006/main" xmlns:r="http://schemas.openxmlformats.org/officeDocument/2006/relationships" xmlns:p="http://schemas.openxmlformats.org/presentationml/2006/main">
   <p:cSld>
+    <p:bg>
+      <p:bgPr>
+        <a:solidFill>
+          <a:schemeClr val="bg1"/>
+        </a:solidFill>
+        <a:effectLst/>
+      </p:bgPr>
+    </p:bg>
     <p:spTree>
       <p:nvGrpSpPr>
         <p:cNvPr id="1" name=""/>
@@ -2865,6 +3303,66 @@
           <a:chExt cx="0" cy="0"/>
         </a:xfrm>
       </p:grpSpPr>
+      <p:sp useBgFill="1">
+        <p:nvSpPr>
+          <p:cNvPr id="21" name="Rectangle 10">
+            <a:extLst>
+              <a:ext uri="{FF2B5EF4-FFF2-40B4-BE49-F238E27FC236}">
+                <a16:creationId xmlns:a16="http://schemas.microsoft.com/office/drawing/2014/main" id="{33428ACC-71EC-4171-9527-10983BA6B41D}"/>
+              </a:ext>
+              <a:ext uri="{C183D7F6-B498-43B3-948B-1728B52AA6E4}">
+                <adec:decorative xmlns:adec="http://schemas.microsoft.com/office/drawing/2017/decorative" val="1"/>
+              </a:ext>
+            </a:extLst>
+          </p:cNvPr>
+          <p:cNvSpPr>
+            <a:spLocks noGrp="1" noRot="1" noChangeAspect="1" noMove="1" noResize="1" noEditPoints="1" noAdjustHandles="1" noChangeArrowheads="1" noChangeShapeType="1" noTextEdit="1"/>
+          </p:cNvSpPr>
+          <p:nvPr>
+            <p:extLst>
+              <p:ext uri="{386F3935-93C4-4BCD-93E2-E3B085C9AB24}">
+                <p16:designElem xmlns:p16="http://schemas.microsoft.com/office/powerpoint/2015/main" val="1"/>
+              </p:ext>
+            </p:extLst>
+          </p:nvPr>
+        </p:nvSpPr>
+        <p:spPr>
+          <a:xfrm>
+            <a:off x="0" y="0"/>
+            <a:ext cx="12192001" cy="6858000"/>
+          </a:xfrm>
+          <a:prstGeom prst="rect">
+            <a:avLst/>
+          </a:prstGeom>
+          <a:ln>
+            <a:noFill/>
+          </a:ln>
+        </p:spPr>
+        <p:style>
+          <a:lnRef idx="2">
+            <a:schemeClr val="accent1">
+              <a:shade val="50000"/>
+            </a:schemeClr>
+          </a:lnRef>
+          <a:fillRef idx="1">
+            <a:schemeClr val="accent1"/>
+          </a:fillRef>
+          <a:effectRef idx="0">
+            <a:schemeClr val="accent1"/>
+          </a:effectRef>
+          <a:fontRef idx="minor">
+            <a:schemeClr val="lt1"/>
+          </a:fontRef>
+        </p:style>
+        <p:txBody>
+          <a:bodyPr rtlCol="0" anchor="ctr"/>
+          <a:lstStyle/>
+          <a:p>
+            <a:pPr algn="ctr"/>
+            <a:endParaRPr lang="en-US"/>
+          </a:p>
+        </p:txBody>
+      </p:sp>
       <p:sp>
         <p:nvSpPr>
           <p:cNvPr id="4" name="Titre 3">
@@ -2883,28 +3381,19 @@
         </p:nvSpPr>
         <p:spPr>
           <a:xfrm>
-            <a:off x="1097280" y="196333"/>
-            <a:ext cx="10058400" cy="861504"/>
+            <a:off x="8141110" y="639098"/>
+            <a:ext cx="3401961" cy="3494790"/>
           </a:xfrm>
         </p:spPr>
         <p:txBody>
           <a:bodyPr>
-            <a:normAutofit fontScale="90000"/>
+            <a:normAutofit/>
           </a:bodyPr>
           <a:lstStyle/>
           <a:p>
-            <a:pPr algn="ctr"/>
-            <a:r>
-              <a:rPr lang="fr-FR" sz="3500" dirty="0"/>
-              <a:t>Comparaisons avec le test des modèles </a:t>
-            </a:r>
-            <a:r>
-              <a:rPr lang="fr-FR" sz="3500" dirty="0" err="1"/>
-              <a:t>Tenserflow</a:t>
-            </a:r>
-            <a:r>
-              <a:rPr lang="fr-FR" sz="3500" dirty="0"/>
-              <a:t> sur les cas de test</a:t>
+            <a:r>
+              <a:rPr lang="fr-FR" sz="3800"/>
+              <a:t>Comparaisons avec le test des modèles Tenserflow sur les cas de test</a:t>
             </a:r>
           </a:p>
         </p:txBody>
@@ -2925,14 +3414,174 @@
             <p:ph type="subTitle" idx="1"/>
           </p:nvPr>
         </p:nvSpPr>
-        <p:spPr/>
+        <p:spPr>
+          <a:xfrm>
+            <a:off x="8141110" y="4455621"/>
+            <a:ext cx="3417990" cy="1238616"/>
+          </a:xfrm>
+        </p:spPr>
         <p:txBody>
-          <a:bodyPr/>
+          <a:bodyPr>
+            <a:normAutofit/>
+          </a:bodyPr>
           <a:lstStyle/>
           <a:p>
-            <a:endParaRPr lang="fr-FR" dirty="0"/>
+            <a:endParaRPr lang="fr-FR" sz="2000">
+              <a:solidFill>
+                <a:schemeClr val="tx1">
+                  <a:lumMod val="85000"/>
+                  <a:lumOff val="15000"/>
+                </a:schemeClr>
+              </a:solidFill>
+            </a:endParaRPr>
           </a:p>
         </p:txBody>
+      </p:sp>
+      <p:pic>
+        <p:nvPicPr>
+          <p:cNvPr id="3" name="Image 2" descr="Une image contenant dessin&#10;&#10;Description générée automatiquement">
+            <a:extLst>
+              <a:ext uri="{FF2B5EF4-FFF2-40B4-BE49-F238E27FC236}">
+                <a16:creationId xmlns:a16="http://schemas.microsoft.com/office/drawing/2014/main" id="{F6126833-789A-44EA-8BC9-9F4B3BBE83C2}"/>
+              </a:ext>
+            </a:extLst>
+          </p:cNvPr>
+          <p:cNvPicPr>
+            <a:picLocks noChangeAspect="1"/>
+          </p:cNvPicPr>
+          <p:nvPr/>
+        </p:nvPicPr>
+        <p:blipFill>
+          <a:blip r:embed="rId2">
+            <a:extLst>
+              <a:ext uri="{28A0092B-C50C-407E-A947-70E740481C1C}">
+                <a14:useLocalDpi xmlns:a14="http://schemas.microsoft.com/office/drawing/2010/main" val="0"/>
+              </a:ext>
+            </a:extLst>
+          </a:blip>
+          <a:stretch>
+            <a:fillRect/>
+          </a:stretch>
+        </p:blipFill>
+        <p:spPr>
+          <a:xfrm>
+            <a:off x="633999" y="860207"/>
+            <a:ext cx="6912217" cy="4613904"/>
+          </a:xfrm>
+          <a:prstGeom prst="rect">
+            <a:avLst/>
+          </a:prstGeom>
+        </p:spPr>
+      </p:pic>
+      <p:cxnSp>
+        <p:nvCxnSpPr>
+          <p:cNvPr id="22" name="Straight Connector 12">
+            <a:extLst>
+              <a:ext uri="{FF2B5EF4-FFF2-40B4-BE49-F238E27FC236}">
+                <a16:creationId xmlns:a16="http://schemas.microsoft.com/office/drawing/2014/main" id="{BA22713B-ABB6-4391-97F9-0449A2B9B664}"/>
+              </a:ext>
+              <a:ext uri="{C183D7F6-B498-43B3-948B-1728B52AA6E4}">
+                <adec:decorative xmlns:adec="http://schemas.microsoft.com/office/drawing/2017/decorative" val="1"/>
+              </a:ext>
+            </a:extLst>
+          </p:cNvPr>
+          <p:cNvCxnSpPr>
+            <a:cxnSpLocks noGrp="1" noRot="1" noChangeAspect="1" noMove="1" noResize="1" noEditPoints="1" noAdjustHandles="1" noChangeArrowheads="1" noChangeShapeType="1"/>
+          </p:cNvCxnSpPr>
+          <p:nvPr>
+            <p:extLst>
+              <p:ext uri="{386F3935-93C4-4BCD-93E2-E3B085C9AB24}">
+                <p16:designElem xmlns:p16="http://schemas.microsoft.com/office/powerpoint/2015/main" val="1"/>
+              </p:ext>
+            </p:extLst>
+          </p:nvPr>
+        </p:nvCxnSpPr>
+        <p:spPr>
+          <a:xfrm>
+            <a:off x="8209305" y="4294754"/>
+            <a:ext cx="3200400" cy="0"/>
+          </a:xfrm>
+          <a:prstGeom prst="line">
+            <a:avLst/>
+          </a:prstGeom>
+          <a:ln w="12700">
+            <a:solidFill>
+              <a:schemeClr val="tx1">
+                <a:lumMod val="75000"/>
+                <a:lumOff val="25000"/>
+              </a:schemeClr>
+            </a:solidFill>
+          </a:ln>
+        </p:spPr>
+        <p:style>
+          <a:lnRef idx="1">
+            <a:schemeClr val="accent1"/>
+          </a:lnRef>
+          <a:fillRef idx="0">
+            <a:schemeClr val="accent1"/>
+          </a:fillRef>
+          <a:effectRef idx="0">
+            <a:schemeClr val="accent1"/>
+          </a:effectRef>
+          <a:fontRef idx="minor">
+            <a:schemeClr val="tx1"/>
+          </a:fontRef>
+        </p:style>
+      </p:cxnSp>
+      <p:sp>
+        <p:nvSpPr>
+          <p:cNvPr id="23" name="Rectangle 14">
+            <a:extLst>
+              <a:ext uri="{FF2B5EF4-FFF2-40B4-BE49-F238E27FC236}">
+                <a16:creationId xmlns:a16="http://schemas.microsoft.com/office/drawing/2014/main" id="{8D4480B4-953D-41FA-9052-09AB3A026947}"/>
+              </a:ext>
+              <a:ext uri="{C183D7F6-B498-43B3-948B-1728B52AA6E4}">
+                <adec:decorative xmlns:adec="http://schemas.microsoft.com/office/drawing/2017/decorative" val="1"/>
+              </a:ext>
+            </a:extLst>
+          </p:cNvPr>
+          <p:cNvSpPr>
+            <a:spLocks noGrp="1" noRot="1" noChangeAspect="1" noMove="1" noResize="1" noEditPoints="1" noAdjustHandles="1" noChangeArrowheads="1" noChangeShapeType="1" noTextEdit="1"/>
+          </p:cNvSpPr>
+          <p:nvPr>
+            <p:extLst>
+              <p:ext uri="{386F3935-93C4-4BCD-93E2-E3B085C9AB24}">
+                <p16:designElem xmlns:p16="http://schemas.microsoft.com/office/powerpoint/2015/main" val="1"/>
+              </p:ext>
+            </p:extLst>
+          </p:nvPr>
+        </p:nvSpPr>
+        <p:spPr>
+          <a:xfrm>
+            <a:off x="0" y="6400800"/>
+            <a:ext cx="12192000" cy="457200"/>
+          </a:xfrm>
+          <a:prstGeom prst="rect">
+            <a:avLst/>
+          </a:prstGeom>
+          <a:solidFill>
+            <a:srgbClr val="262626"/>
+          </a:solidFill>
+          <a:ln>
+            <a:noFill/>
+          </a:ln>
+        </p:spPr>
+        <p:style>
+          <a:lnRef idx="2">
+            <a:schemeClr val="accent1">
+              <a:shade val="50000"/>
+            </a:schemeClr>
+          </a:lnRef>
+          <a:fillRef idx="1">
+            <a:schemeClr val="accent1"/>
+          </a:fillRef>
+          <a:effectRef idx="0">
+            <a:schemeClr val="accent1"/>
+          </a:effectRef>
+          <a:fontRef idx="minor">
+            <a:schemeClr val="lt1"/>
+          </a:fontRef>
+        </p:style>
       </p:sp>
       <p:sp>
         <p:nvSpPr>
@@ -2949,7 +3598,7 @@
         <p:spPr>
           <a:xfrm>
             <a:off x="1097280" y="1197185"/>
-            <a:ext cx="10058400" cy="923330"/>
+            <a:ext cx="10058400" cy="1077218"/>
           </a:xfrm>
           <a:prstGeom prst="rect">
             <a:avLst/>
@@ -2962,21 +3611,32 @@
           </a:bodyPr>
           <a:lstStyle/>
           <a:p>
-            <a:endParaRPr lang="fr-FR" dirty="0"/>
+            <a:pPr>
+              <a:spcAft>
+                <a:spcPts val="600"/>
+              </a:spcAft>
+            </a:pPr>
+            <a:endParaRPr lang="fr-FR"/>
           </a:p>
           <a:p>
             <a:pPr marL="285750" indent="-285750">
+              <a:spcAft>
+                <a:spcPts val="600"/>
+              </a:spcAft>
               <a:buFont typeface="Arial" panose="020B0604020202020204" pitchFamily="34" charset="0"/>
               <a:buChar char="•"/>
             </a:pPr>
-            <a:endParaRPr lang="fr-FR" dirty="0"/>
+            <a:endParaRPr lang="fr-FR"/>
           </a:p>
           <a:p>
             <a:pPr marL="285750" indent="-285750">
+              <a:spcAft>
+                <a:spcPts val="600"/>
+              </a:spcAft>
               <a:buFont typeface="Arial" panose="020B0604020202020204" pitchFamily="34" charset="0"/>
               <a:buChar char="•"/>
             </a:pPr>
-            <a:endParaRPr lang="fr-FR" dirty="0"/>
+            <a:endParaRPr lang="fr-FR"/>
           </a:p>
         </p:txBody>
       </p:sp>
@@ -5616,7 +6276,7 @@
             </a:r>
             <a:r>
               <a:rPr lang="fr-FR" dirty="0"/>
-              <a:t> d’entrainement : 50 photos par émotion</a:t>
+              <a:t> d’entrainement : 100 photos par émotion</a:t>
             </a:r>
           </a:p>
           <a:p>
@@ -5637,7 +6297,15 @@
             </a:r>
             <a:r>
               <a:rPr lang="fr-FR" dirty="0"/>
-              <a:t> de test : 100 photos par émotion</a:t>
+              <a:t> de test </a:t>
+            </a:r>
+            <a:r>
+              <a:rPr lang="fr-FR"/>
+              <a:t>: 50 </a:t>
+            </a:r>
+            <a:r>
+              <a:rPr lang="fr-FR" dirty="0"/>
+              <a:t>photos par émotion</a:t>
             </a:r>
           </a:p>
         </p:txBody>

--- a/Docs/Slides/PA_Presentation.pptx
+++ b/Docs/Slides/PA_Presentation.pptx
@@ -164,18 +164,93 @@
   <pc:docChgLst>
     <pc:chgData name="Heja Ratsimatahomanana" userId="d2d06f0d3b062619" providerId="LiveId" clId="{DB41BF5B-B32B-44F7-944E-1CE1F8FBC01C}"/>
     <pc:docChg chg="undo custSel mod addSld modSld">
-      <pc:chgData name="Heja Ratsimatahomanana" userId="d2d06f0d3b062619" providerId="LiveId" clId="{DB41BF5B-B32B-44F7-944E-1CE1F8FBC01C}" dt="2020-07-18T17:32:41.956" v="160" actId="20577"/>
+      <pc:chgData name="Heja Ratsimatahomanana" userId="d2d06f0d3b062619" providerId="LiveId" clId="{DB41BF5B-B32B-44F7-944E-1CE1F8FBC01C}" dt="2020-07-20T02:38:21.834" v="223" actId="20577"/>
       <pc:docMkLst>
         <pc:docMk/>
       </pc:docMkLst>
       <pc:sldChg chg="modSp">
-        <pc:chgData name="Heja Ratsimatahomanana" userId="d2d06f0d3b062619" providerId="LiveId" clId="{DB41BF5B-B32B-44F7-944E-1CE1F8FBC01C}" dt="2020-07-18T17:32:41.956" v="160" actId="20577"/>
+        <pc:chgData name="Heja Ratsimatahomanana" userId="d2d06f0d3b062619" providerId="LiveId" clId="{DB41BF5B-B32B-44F7-944E-1CE1F8FBC01C}" dt="2020-07-20T02:29:36.825" v="163" actId="20577"/>
+        <pc:sldMkLst>
+          <pc:docMk/>
+          <pc:sldMk cId="4134319915" sldId="257"/>
+        </pc:sldMkLst>
+        <pc:spChg chg="mod">
+          <ac:chgData name="Heja Ratsimatahomanana" userId="d2d06f0d3b062619" providerId="LiveId" clId="{DB41BF5B-B32B-44F7-944E-1CE1F8FBC01C}" dt="2020-07-20T02:29:36.825" v="163" actId="20577"/>
+          <ac:spMkLst>
+            <pc:docMk/>
+            <pc:sldMk cId="4134319915" sldId="257"/>
+            <ac:spMk id="6" creationId="{66D292D1-F569-435D-A7CA-0147469F64B4}"/>
+          </ac:spMkLst>
+        </pc:spChg>
+      </pc:sldChg>
+      <pc:sldChg chg="modSp">
+        <pc:chgData name="Heja Ratsimatahomanana" userId="d2d06f0d3b062619" providerId="LiveId" clId="{DB41BF5B-B32B-44F7-944E-1CE1F8FBC01C}" dt="2020-07-20T02:31:15.731" v="167" actId="20577"/>
+        <pc:sldMkLst>
+          <pc:docMk/>
+          <pc:sldMk cId="3175467949" sldId="263"/>
+        </pc:sldMkLst>
+        <pc:spChg chg="mod">
+          <ac:chgData name="Heja Ratsimatahomanana" userId="d2d06f0d3b062619" providerId="LiveId" clId="{DB41BF5B-B32B-44F7-944E-1CE1F8FBC01C}" dt="2020-07-20T02:31:15.731" v="167" actId="20577"/>
+          <ac:spMkLst>
+            <pc:docMk/>
+            <pc:sldMk cId="3175467949" sldId="263"/>
+            <ac:spMk id="6" creationId="{66D292D1-F569-435D-A7CA-0147469F64B4}"/>
+          </ac:spMkLst>
+        </pc:spChg>
+      </pc:sldChg>
+      <pc:sldChg chg="modSp">
+        <pc:chgData name="Heja Ratsimatahomanana" userId="d2d06f0d3b062619" providerId="LiveId" clId="{DB41BF5B-B32B-44F7-944E-1CE1F8FBC01C}" dt="2020-07-20T02:32:13.420" v="171" actId="20577"/>
+        <pc:sldMkLst>
+          <pc:docMk/>
+          <pc:sldMk cId="563108872" sldId="267"/>
+        </pc:sldMkLst>
+        <pc:spChg chg="mod">
+          <ac:chgData name="Heja Ratsimatahomanana" userId="d2d06f0d3b062619" providerId="LiveId" clId="{DB41BF5B-B32B-44F7-944E-1CE1F8FBC01C}" dt="2020-07-20T02:32:13.420" v="171" actId="20577"/>
+          <ac:spMkLst>
+            <pc:docMk/>
+            <pc:sldMk cId="563108872" sldId="267"/>
+            <ac:spMk id="6" creationId="{66D292D1-F569-435D-A7CA-0147469F64B4}"/>
+          </ac:spMkLst>
+        </pc:spChg>
+      </pc:sldChg>
+      <pc:sldChg chg="modSp">
+        <pc:chgData name="Heja Ratsimatahomanana" userId="d2d06f0d3b062619" providerId="LiveId" clId="{DB41BF5B-B32B-44F7-944E-1CE1F8FBC01C}" dt="2020-07-20T02:33:28.570" v="201" actId="20577"/>
+        <pc:sldMkLst>
+          <pc:docMk/>
+          <pc:sldMk cId="2171966468" sldId="268"/>
+        </pc:sldMkLst>
+        <pc:spChg chg="mod">
+          <ac:chgData name="Heja Ratsimatahomanana" userId="d2d06f0d3b062619" providerId="LiveId" clId="{DB41BF5B-B32B-44F7-944E-1CE1F8FBC01C}" dt="2020-07-20T02:33:28.570" v="201" actId="20577"/>
+          <ac:spMkLst>
+            <pc:docMk/>
+            <pc:sldMk cId="2171966468" sldId="268"/>
+            <ac:spMk id="6" creationId="{66D292D1-F569-435D-A7CA-0147469F64B4}"/>
+          </ac:spMkLst>
+        </pc:spChg>
+      </pc:sldChg>
+      <pc:sldChg chg="modSp">
+        <pc:chgData name="Heja Ratsimatahomanana" userId="d2d06f0d3b062619" providerId="LiveId" clId="{DB41BF5B-B32B-44F7-944E-1CE1F8FBC01C}" dt="2020-07-20T02:34:09.397" v="203" actId="20577"/>
+        <pc:sldMkLst>
+          <pc:docMk/>
+          <pc:sldMk cId="908148977" sldId="270"/>
+        </pc:sldMkLst>
+        <pc:spChg chg="mod">
+          <ac:chgData name="Heja Ratsimatahomanana" userId="d2d06f0d3b062619" providerId="LiveId" clId="{DB41BF5B-B32B-44F7-944E-1CE1F8FBC01C}" dt="2020-07-20T02:34:09.397" v="203" actId="20577"/>
+          <ac:spMkLst>
+            <pc:docMk/>
+            <pc:sldMk cId="908148977" sldId="270"/>
+            <ac:spMk id="6" creationId="{66D292D1-F569-435D-A7CA-0147469F64B4}"/>
+          </ac:spMkLst>
+        </pc:spChg>
+      </pc:sldChg>
+      <pc:sldChg chg="modSp">
+        <pc:chgData name="Heja Ratsimatahomanana" userId="d2d06f0d3b062619" providerId="LiveId" clId="{DB41BF5B-B32B-44F7-944E-1CE1F8FBC01C}" dt="2020-07-20T02:35:19.478" v="206" actId="20577"/>
         <pc:sldMkLst>
           <pc:docMk/>
           <pc:sldMk cId="3266811448" sldId="272"/>
         </pc:sldMkLst>
         <pc:spChg chg="mod">
-          <ac:chgData name="Heja Ratsimatahomanana" userId="d2d06f0d3b062619" providerId="LiveId" clId="{DB41BF5B-B32B-44F7-944E-1CE1F8FBC01C}" dt="2020-07-18T17:32:41.956" v="160" actId="20577"/>
+          <ac:chgData name="Heja Ratsimatahomanana" userId="d2d06f0d3b062619" providerId="LiveId" clId="{DB41BF5B-B32B-44F7-944E-1CE1F8FBC01C}" dt="2020-07-20T02:35:19.478" v="206" actId="20577"/>
           <ac:spMkLst>
             <pc:docMk/>
             <pc:sldMk cId="3266811448" sldId="272"/>
@@ -184,13 +259,13 @@
         </pc:spChg>
       </pc:sldChg>
       <pc:sldChg chg="modSp">
-        <pc:chgData name="Heja Ratsimatahomanana" userId="d2d06f0d3b062619" providerId="LiveId" clId="{DB41BF5B-B32B-44F7-944E-1CE1F8FBC01C}" dt="2020-07-17T17:59:16.319" v="140" actId="20577"/>
+        <pc:chgData name="Heja Ratsimatahomanana" userId="d2d06f0d3b062619" providerId="LiveId" clId="{DB41BF5B-B32B-44F7-944E-1CE1F8FBC01C}" dt="2020-07-20T02:37:59.175" v="222" actId="20577"/>
         <pc:sldMkLst>
           <pc:docMk/>
           <pc:sldMk cId="187787465" sldId="273"/>
         </pc:sldMkLst>
         <pc:spChg chg="mod">
-          <ac:chgData name="Heja Ratsimatahomanana" userId="d2d06f0d3b062619" providerId="LiveId" clId="{DB41BF5B-B32B-44F7-944E-1CE1F8FBC01C}" dt="2020-07-17T17:59:16.319" v="140" actId="20577"/>
+          <ac:chgData name="Heja Ratsimatahomanana" userId="d2d06f0d3b062619" providerId="LiveId" clId="{DB41BF5B-B32B-44F7-944E-1CE1F8FBC01C}" dt="2020-07-20T02:37:59.175" v="222" actId="20577"/>
           <ac:spMkLst>
             <pc:docMk/>
             <pc:sldMk cId="187787465" sldId="273"/>
@@ -442,6 +517,21 @@
             <ac:cxnSpMk id="22" creationId="{BA22713B-ABB6-4391-97F9-0449A2B9B664}"/>
           </ac:cxnSpMkLst>
         </pc:cxnChg>
+      </pc:sldChg>
+      <pc:sldChg chg="modSp">
+        <pc:chgData name="Heja Ratsimatahomanana" userId="d2d06f0d3b062619" providerId="LiveId" clId="{DB41BF5B-B32B-44F7-944E-1CE1F8FBC01C}" dt="2020-07-20T02:38:21.834" v="223" actId="20577"/>
+        <pc:sldMkLst>
+          <pc:docMk/>
+          <pc:sldMk cId="603089663" sldId="277"/>
+        </pc:sldMkLst>
+        <pc:spChg chg="mod">
+          <ac:chgData name="Heja Ratsimatahomanana" userId="d2d06f0d3b062619" providerId="LiveId" clId="{DB41BF5B-B32B-44F7-944E-1CE1F8FBC01C}" dt="2020-07-20T02:38:21.834" v="223" actId="20577"/>
+          <ac:spMkLst>
+            <pc:docMk/>
+            <pc:sldMk cId="603089663" sldId="277"/>
+            <ac:spMk id="6" creationId="{66D292D1-F569-435D-A7CA-0147469F64B4}"/>
+          </ac:spMkLst>
+        </pc:spChg>
       </pc:sldChg>
       <pc:sldChg chg="modSp add">
         <pc:chgData name="Heja Ratsimatahomanana" userId="d2d06f0d3b062619" providerId="LiveId" clId="{DB41BF5B-B32B-44F7-944E-1CE1F8FBC01C}" dt="2020-07-17T17:57:58.751" v="95" actId="5793"/>
@@ -1441,7 +1531,7 @@
           <a:p>
             <a:fld id="{9184DA70-C731-4C70-880D-CCD4705E623C}" type="datetime1">
               <a:rPr lang="en-US" smtClean="0"/>
-              <a:t>7/18/2020</a:t>
+              <a:t>7/20/2020</a:t>
             </a:fld>
             <a:endParaRPr lang="en-US" dirty="0"/>
           </a:p>
@@ -1708,7 +1798,7 @@
           <a:p>
             <a:fld id="{62D6E202-B606-4609-B914-27C9371A1F6D}" type="datetime1">
               <a:rPr lang="en-US" smtClean="0"/>
-              <a:t>7/18/2020</a:t>
+              <a:t>7/20/2020</a:t>
             </a:fld>
             <a:endParaRPr lang="en-US" dirty="0"/>
           </a:p>
@@ -2681,15 +2771,7 @@
             </a:pPr>
             <a:r>
               <a:rPr lang="fr-FR" dirty="0"/>
-              <a:t>Hyperparamètre des modèles choisies au </a:t>
-            </a:r>
-            <a:r>
-              <a:rPr lang="fr-FR" dirty="0" err="1"/>
-              <a:t>random</a:t>
-            </a:r>
-            <a:r>
-              <a:rPr lang="fr-FR" dirty="0"/>
-              <a:t> et ajustée selon le résultat</a:t>
+              <a:t>Hyperparamètre des modèles choisis aléatoirement et ajusté selon le résultat</a:t>
             </a:r>
           </a:p>
           <a:p>
@@ -2706,13 +2788,8 @@
             </a:pPr>
             <a:r>
               <a:rPr lang="fr-FR" dirty="0"/>
-              <a:t>Choix de la technologie </a:t>
-            </a:r>
-            <a:r>
-              <a:rPr lang="fr-FR"/>
-              <a:t>pour l’application</a:t>
-            </a:r>
-            <a:endParaRPr lang="fr-FR" dirty="0"/>
+              <a:t>Choix de la technologie pour l’application</a:t>
+            </a:r>
           </a:p>
           <a:p>
             <a:pPr marL="285750" indent="-285750">
@@ -3915,7 +3992,15 @@
             </a:pPr>
             <a:r>
               <a:rPr lang="fr-FR" dirty="0"/>
-              <a:t>Développement et test des algorithme en C++</a:t>
+              <a:t>Développement et test </a:t>
+            </a:r>
+            <a:r>
+              <a:rPr lang="fr-FR"/>
+              <a:t>des algorithmes </a:t>
+            </a:r>
+            <a:r>
+              <a:rPr lang="fr-FR" dirty="0"/>
+              <a:t>en C++</a:t>
             </a:r>
           </a:p>
           <a:p>
@@ -4213,7 +4298,7 @@
             </a:pPr>
             <a:r>
               <a:rPr lang="fr-FR" dirty="0"/>
-              <a:t>Trouver un moyen pour développer une application qui reconnait l’émotion sur une photo d’un visage d’une personne. </a:t>
+              <a:t>Trouver un moyen de développer une application qui reconnait l’émotion sur une photo d’un visage d’une personne. </a:t>
             </a:r>
           </a:p>
         </p:txBody>
@@ -4343,7 +4428,7 @@
             </a:pPr>
             <a:r>
               <a:rPr lang="fr-FR" dirty="0"/>
-              <a:t>Première approche : stocker les pixels composants certains partie clé du visage (bouche, yeux, nez) et comparer l’emplacement de ces derniers sur les pixels du contour du visage en entier pour chaque émotion</a:t>
+              <a:t>Première approche : stocker les pixels composant certaines parties clés du visage (bouche, yeux, nez) et comparer l’emplacement de ces derniers sur les pixels du contour du visage en entier pour chaque émotion</a:t>
             </a:r>
           </a:p>
           <a:p>
@@ -4721,7 +4806,7 @@
             </a:pPr>
             <a:r>
               <a:rPr lang="fr-FR" dirty="0"/>
-              <a:t>Première approche : stocker les pixels composants certains partie clé du visage (bouche, yeux, nez) et comparer l’emplacement de ces derniers sur les pixels du contour du visage en entier pour chaque émotion</a:t>
+              <a:t>Première approche : stocker les pixels composant certaines parties clés du visage (bouche, yeux, nez) et comparer l’emplacement de ces derniers sur les pixels du contour du visage en entier pour chaque émotion</a:t>
             </a:r>
           </a:p>
           <a:p>
@@ -4972,7 +5057,7 @@
         <p:spPr>
           <a:xfrm>
             <a:off x="1097280" y="1197185"/>
-            <a:ext cx="10058400" cy="3416320"/>
+            <a:ext cx="10058400" cy="3693319"/>
           </a:xfrm>
           <a:prstGeom prst="rect">
             <a:avLst/>
@@ -5025,7 +5110,7 @@
             </a:pPr>
             <a:r>
               <a:rPr lang="fr-FR" dirty="0"/>
-              <a:t>Objectivité de chaque personne sur chaque émotion (une personne A n’est pas obligé de froncer les sourcils pour montrer sa colère contrairement à une personne B)</a:t>
+              <a:t>Objectivité de chaque personne sur chaque émotion (une personne A n’est pas obligée de froncer les sourcils pour montrer sa colère contrairement à une personne B)</a:t>
             </a:r>
           </a:p>
           <a:p>
@@ -5042,7 +5127,24 @@
             </a:pPr>
             <a:r>
               <a:rPr lang="fr-FR" dirty="0"/>
-              <a:t>Beaucoup trop de cas particulier à prendre en compte, non spécifiable à la main la différence entre les émotions</a:t>
+              <a:t>Beaucoup trop de cas particuliers à prendre en compte, n</a:t>
+            </a:r>
+          </a:p>
+          <a:p>
+            <a:pPr marL="285750" indent="-285750">
+              <a:buFont typeface="Arial" panose="020B0604020202020204" pitchFamily="34" charset="0"/>
+              <a:buChar char="•"/>
+            </a:pPr>
+            <a:endParaRPr lang="fr-FR" dirty="0"/>
+          </a:p>
+          <a:p>
+            <a:pPr marL="285750" indent="-285750">
+              <a:buFont typeface="Arial" panose="020B0604020202020204" pitchFamily="34" charset="0"/>
+              <a:buChar char="•"/>
+            </a:pPr>
+            <a:r>
+              <a:rPr lang="fr-FR" dirty="0"/>
+              <a:t>Différences non spécifiables à la main entre les émotions</a:t>
             </a:r>
           </a:p>
           <a:p>
@@ -5693,7 +5795,7 @@
             </a:pPr>
             <a:r>
               <a:rPr lang="fr-FR" dirty="0"/>
-              <a:t>Meilleur = généralise au mieux, génère le moins d’erreur possible</a:t>
+              <a:t>Meilleur = généralise au mieux, génère le moins d’erreurs possibles</a:t>
             </a:r>
           </a:p>
           <a:p>
@@ -6238,7 +6340,7 @@
             </a:pPr>
             <a:r>
               <a:rPr lang="fr-FR" dirty="0"/>
-              <a:t>Image pris à plusieurs moments différents et plusieurs fonds différents </a:t>
+              <a:t>Images prises à plusieurs moments différents et plusieurs fonds différents </a:t>
             </a:r>
           </a:p>
           <a:p>
@@ -6297,15 +6399,7 @@
             </a:r>
             <a:r>
               <a:rPr lang="fr-FR" dirty="0"/>
-              <a:t> de test </a:t>
-            </a:r>
-            <a:r>
-              <a:rPr lang="fr-FR"/>
-              <a:t>: 50 </a:t>
-            </a:r>
-            <a:r>
-              <a:rPr lang="fr-FR" dirty="0"/>
-              <a:t>photos par émotion</a:t>
+              <a:t> de test : 50 photos par émotion</a:t>
             </a:r>
           </a:p>
         </p:txBody>
